--- a/데스크탑 기반 애플리케이션 제작 프로젝트.pptx
+++ b/데스크탑 기반 애플리케이션 제작 프로젝트.pptx
@@ -2,7 +2,7 @@
 <file path=ppt/presentation.xml><?xml version="1.0" encoding="utf-8"?>
 <p:presentation xmlns:a="http://schemas.openxmlformats.org/drawingml/2006/main" xmlns:r="http://schemas.openxmlformats.org/officeDocument/2006/relationships" xmlns:p="http://schemas.openxmlformats.org/presentationml/2006/main" saveSubsetFonts="1">
   <p:sldMasterIdLst>
-    <p:sldMasterId id="2147483756" r:id="rId1"/>
+    <p:sldMasterId id="2147483780" r:id="rId1"/>
   </p:sldMasterIdLst>
   <p:sldIdLst>
     <p:sldId id="256" r:id="rId2"/>
@@ -119,7 +119,7 @@
 </file>
 
 <file path=ppt/slideLayouts/slideLayout1.xml><?xml version="1.0" encoding="utf-8"?>
-<p:sldLayout xmlns:a="http://schemas.openxmlformats.org/drawingml/2006/main" xmlns:r="http://schemas.openxmlformats.org/officeDocument/2006/relationships" xmlns:p="http://schemas.openxmlformats.org/presentationml/2006/main" type="title" preserve="1">
+<p:sldLayout xmlns:a="http://schemas.openxmlformats.org/drawingml/2006/main" xmlns:r="http://schemas.openxmlformats.org/officeDocument/2006/relationships" xmlns:p="http://schemas.openxmlformats.org/presentationml/2006/main" showMasterSp="0" type="title" preserve="1">
   <p:cSld name="제목 슬라이드">
     <p:spTree>
       <p:nvGrpSpPr>
@@ -137,7 +137,7 @@
       </p:grpSpPr>
       <p:sp>
         <p:nvSpPr>
-          <p:cNvPr id="2" name="제목 1"/>
+          <p:cNvPr id="2" name="Title 1"/>
           <p:cNvSpPr>
             <a:spLocks noGrp="1"/>
           </p:cNvSpPr>
@@ -147,25 +147,38 @@
         </p:nvSpPr>
         <p:spPr>
           <a:xfrm>
-            <a:off x="685800" y="2130425"/>
-            <a:ext cx="7772400" cy="1470025"/>
+            <a:off x="457200" y="228600"/>
+            <a:ext cx="7772400" cy="4571999"/>
           </a:xfrm>
         </p:spPr>
         <p:txBody>
-          <a:bodyPr/>
-          <a:lstStyle/>
+          <a:bodyPr anchor="ctr">
+            <a:noAutofit/>
+          </a:bodyPr>
+          <a:lstStyle>
+            <a:lvl1pPr>
+              <a:lnSpc>
+                <a:spcPct val="100000"/>
+              </a:lnSpc>
+              <a:defRPr sz="8800" spc="-80" baseline="0">
+                <a:solidFill>
+                  <a:schemeClr val="tx1"/>
+                </a:solidFill>
+              </a:defRPr>
+            </a:lvl1pPr>
+          </a:lstStyle>
           <a:p>
             <a:r>
               <a:rPr lang="ko-KR" altLang="en-US" smtClean="0"/>
               <a:t>마스터 제목 스타일 편집</a:t>
             </a:r>
-            <a:endParaRPr lang="ko-KR" altLang="en-US"/>
-          </a:p>
-        </p:txBody>
-      </p:sp>
-      <p:sp>
-        <p:nvSpPr>
-          <p:cNvPr id="3" name="부제목 2"/>
+            <a:endParaRPr lang="en-US" dirty="0"/>
+          </a:p>
+        </p:txBody>
+      </p:sp>
+      <p:sp>
+        <p:nvSpPr>
+          <p:cNvPr id="3" name="Subtitle 2"/>
           <p:cNvSpPr>
             <a:spLocks noGrp="1"/>
           </p:cNvSpPr>
@@ -175,21 +188,20 @@
         </p:nvSpPr>
         <p:spPr>
           <a:xfrm>
-            <a:off x="1371600" y="3886200"/>
-            <a:ext cx="6400800" cy="1752600"/>
+            <a:off x="457200" y="4800600"/>
+            <a:ext cx="6858000" cy="914400"/>
           </a:xfrm>
         </p:spPr>
         <p:txBody>
           <a:bodyPr/>
           <a:lstStyle>
-            <a:lvl1pPr marL="0" indent="0" algn="ctr">
-              <a:buNone/>
-              <a:defRPr>
+            <a:lvl1pPr marL="0" indent="0" algn="l">
+              <a:buNone/>
+              <a:defRPr b="0" cap="all" spc="120" baseline="0">
                 <a:solidFill>
-                  <a:schemeClr val="tx1">
-                    <a:tint val="75000"/>
-                  </a:schemeClr>
+                  <a:schemeClr val="tx2"/>
                 </a:solidFill>
+                <a:latin typeface="+mj-lt"/>
               </a:defRPr>
             </a:lvl1pPr>
             <a:lvl2pPr marL="457200" indent="0" algn="ctr">
@@ -278,13 +290,13 @@
               <a:rPr lang="ko-KR" altLang="en-US" smtClean="0"/>
               <a:t>마스터 부제목 스타일 편집</a:t>
             </a:r>
-            <a:endParaRPr lang="ko-KR" altLang="en-US"/>
-          </a:p>
-        </p:txBody>
-      </p:sp>
-      <p:sp>
-        <p:nvSpPr>
-          <p:cNvPr id="4" name="날짜 개체 틀 3"/>
+            <a:endParaRPr lang="en-US" dirty="0"/>
+          </a:p>
+        </p:txBody>
+      </p:sp>
+      <p:sp>
+        <p:nvSpPr>
+          <p:cNvPr id="4" name="Date Placeholder 3"/>
           <p:cNvSpPr>
             <a:spLocks noGrp="1"/>
           </p:cNvSpPr>
@@ -307,7 +319,7 @@
       </p:sp>
       <p:sp>
         <p:nvSpPr>
-          <p:cNvPr id="5" name="바닥글 개체 틀 4"/>
+          <p:cNvPr id="5" name="Footer Placeholder 4"/>
           <p:cNvSpPr>
             <a:spLocks noGrp="1"/>
           </p:cNvSpPr>
@@ -326,7 +338,99 @@
       </p:sp>
       <p:sp>
         <p:nvSpPr>
-          <p:cNvPr id="6" name="슬라이드 번호 개체 틀 5"/>
+          <p:cNvPr id="9" name="Rectangle 8"/>
+          <p:cNvSpPr/>
+          <p:nvPr/>
+        </p:nvSpPr>
+        <p:spPr>
+          <a:xfrm>
+            <a:off x="9001124" y="4846320"/>
+            <a:ext cx="142876" cy="2011680"/>
+          </a:xfrm>
+          <a:prstGeom prst="rect">
+            <a:avLst/>
+          </a:prstGeom>
+          <a:solidFill>
+            <a:schemeClr val="tx2"/>
+          </a:solidFill>
+          <a:ln>
+            <a:noFill/>
+          </a:ln>
+        </p:spPr>
+        <p:style>
+          <a:lnRef idx="2">
+            <a:schemeClr val="accent1">
+              <a:shade val="50000"/>
+            </a:schemeClr>
+          </a:lnRef>
+          <a:fillRef idx="1">
+            <a:schemeClr val="accent1"/>
+          </a:fillRef>
+          <a:effectRef idx="0">
+            <a:schemeClr val="accent1"/>
+          </a:effectRef>
+          <a:fontRef idx="minor">
+            <a:schemeClr val="lt1"/>
+          </a:fontRef>
+        </p:style>
+        <p:txBody>
+          <a:bodyPr rtlCol="0" anchor="ctr"/>
+          <a:lstStyle/>
+          <a:p>
+            <a:pPr algn="ctr"/>
+            <a:endParaRPr lang="en-US"/>
+          </a:p>
+        </p:txBody>
+      </p:sp>
+      <p:sp>
+        <p:nvSpPr>
+          <p:cNvPr id="10" name="Rectangle 9"/>
+          <p:cNvSpPr/>
+          <p:nvPr/>
+        </p:nvSpPr>
+        <p:spPr>
+          <a:xfrm>
+            <a:off x="9001124" y="0"/>
+            <a:ext cx="142876" cy="4846320"/>
+          </a:xfrm>
+          <a:prstGeom prst="rect">
+            <a:avLst/>
+          </a:prstGeom>
+          <a:solidFill>
+            <a:schemeClr val="tx1"/>
+          </a:solidFill>
+          <a:ln>
+            <a:noFill/>
+          </a:ln>
+        </p:spPr>
+        <p:style>
+          <a:lnRef idx="2">
+            <a:schemeClr val="accent1">
+              <a:shade val="50000"/>
+            </a:schemeClr>
+          </a:lnRef>
+          <a:fillRef idx="1">
+            <a:schemeClr val="accent1"/>
+          </a:fillRef>
+          <a:effectRef idx="0">
+            <a:schemeClr val="accent1"/>
+          </a:effectRef>
+          <a:fontRef idx="minor">
+            <a:schemeClr val="lt1"/>
+          </a:fontRef>
+        </p:style>
+        <p:txBody>
+          <a:bodyPr rtlCol="0" anchor="ctr"/>
+          <a:lstStyle/>
+          <a:p>
+            <a:pPr algn="ctr"/>
+            <a:endParaRPr lang="en-US"/>
+          </a:p>
+        </p:txBody>
+      </p:sp>
+      <p:sp>
+        <p:nvSpPr>
+          <p:cNvPr id="6" name="Slide Number Placeholder 5"/>
           <p:cNvSpPr>
             <a:spLocks noGrp="1"/>
           </p:cNvSpPr>
@@ -337,7 +441,15 @@
         <p:spPr/>
         <p:txBody>
           <a:bodyPr/>
-          <a:lstStyle/>
+          <a:lstStyle>
+            <a:lvl1pPr>
+              <a:defRPr>
+                <a:solidFill>
+                  <a:schemeClr val="tx1"/>
+                </a:solidFill>
+              </a:defRPr>
+            </a:lvl1pPr>
+          </a:lstStyle>
           <a:p>
             <a:fld id="{E34C4C19-8E67-4D52-AC59-B8A6C3E2CFA6}" type="slidenum">
               <a:rPr lang="ko-KR" altLang="en-US" smtClean="0"/>
@@ -348,11 +460,6 @@
         </p:txBody>
       </p:sp>
     </p:spTree>
-    <p:extLst>
-      <p:ext uri="{BB962C8B-B14F-4D97-AF65-F5344CB8AC3E}">
-        <p14:creationId xmlns:p14="http://schemas.microsoft.com/office/powerpoint/2010/main" val="1968290036"/>
-      </p:ext>
-    </p:extLst>
   </p:cSld>
   <p:clrMapOvr>
     <a:masterClrMapping/>
@@ -379,7 +486,7 @@
       </p:grpSpPr>
       <p:sp>
         <p:nvSpPr>
-          <p:cNvPr id="2" name="제목 1"/>
+          <p:cNvPr id="2" name="Title 1"/>
           <p:cNvSpPr>
             <a:spLocks noGrp="1"/>
           </p:cNvSpPr>
@@ -396,13 +503,13 @@
               <a:rPr lang="ko-KR" altLang="en-US" smtClean="0"/>
               <a:t>마스터 제목 스타일 편집</a:t>
             </a:r>
-            <a:endParaRPr lang="ko-KR" altLang="en-US"/>
-          </a:p>
-        </p:txBody>
-      </p:sp>
-      <p:sp>
-        <p:nvSpPr>
-          <p:cNvPr id="3" name="세로 텍스트 개체 틀 2"/>
+            <a:endParaRPr lang="en-US"/>
+          </a:p>
+        </p:txBody>
+      </p:sp>
+      <p:sp>
+        <p:nvSpPr>
+          <p:cNvPr id="3" name="Vertical Text Placeholder 2"/>
           <p:cNvSpPr>
             <a:spLocks noGrp="1"/>
           </p:cNvSpPr>
@@ -448,13 +555,13 @@
               <a:rPr lang="ko-KR" altLang="en-US" smtClean="0"/>
               <a:t>다섯째 수준</a:t>
             </a:r>
-            <a:endParaRPr lang="ko-KR" altLang="en-US"/>
-          </a:p>
-        </p:txBody>
-      </p:sp>
-      <p:sp>
-        <p:nvSpPr>
-          <p:cNvPr id="4" name="날짜 개체 틀 3"/>
+            <a:endParaRPr lang="en-US"/>
+          </a:p>
+        </p:txBody>
+      </p:sp>
+      <p:sp>
+        <p:nvSpPr>
+          <p:cNvPr id="4" name="Date Placeholder 3"/>
           <p:cNvSpPr>
             <a:spLocks noGrp="1"/>
           </p:cNvSpPr>
@@ -477,7 +584,7 @@
       </p:sp>
       <p:sp>
         <p:nvSpPr>
-          <p:cNvPr id="5" name="바닥글 개체 틀 4"/>
+          <p:cNvPr id="5" name="Footer Placeholder 4"/>
           <p:cNvSpPr>
             <a:spLocks noGrp="1"/>
           </p:cNvSpPr>
@@ -496,7 +603,7 @@
       </p:sp>
       <p:sp>
         <p:nvSpPr>
-          <p:cNvPr id="6" name="슬라이드 번호 개체 틀 5"/>
+          <p:cNvPr id="6" name="Slide Number Placeholder 5"/>
           <p:cNvSpPr>
             <a:spLocks noGrp="1"/>
           </p:cNvSpPr>
@@ -518,11 +625,6 @@
         </p:txBody>
       </p:sp>
     </p:spTree>
-    <p:extLst>
-      <p:ext uri="{BB962C8B-B14F-4D97-AF65-F5344CB8AC3E}">
-        <p14:creationId xmlns:p14="http://schemas.microsoft.com/office/powerpoint/2010/main" val="4044384725"/>
-      </p:ext>
-    </p:extLst>
   </p:cSld>
   <p:clrMapOvr>
     <a:masterClrMapping/>
@@ -549,7 +651,7 @@
       </p:grpSpPr>
       <p:sp>
         <p:nvSpPr>
-          <p:cNvPr id="2" name="세로 제목 1"/>
+          <p:cNvPr id="2" name="Vertical Title 1"/>
           <p:cNvSpPr>
             <a:spLocks noGrp="1"/>
           </p:cNvSpPr>
@@ -571,13 +673,13 @@
               <a:rPr lang="ko-KR" altLang="en-US" smtClean="0"/>
               <a:t>마스터 제목 스타일 편집</a:t>
             </a:r>
-            <a:endParaRPr lang="ko-KR" altLang="en-US"/>
-          </a:p>
-        </p:txBody>
-      </p:sp>
-      <p:sp>
-        <p:nvSpPr>
-          <p:cNvPr id="3" name="세로 텍스트 개체 틀 2"/>
+            <a:endParaRPr lang="en-US"/>
+          </a:p>
+        </p:txBody>
+      </p:sp>
+      <p:sp>
+        <p:nvSpPr>
+          <p:cNvPr id="3" name="Vertical Text Placeholder 2"/>
           <p:cNvSpPr>
             <a:spLocks noGrp="1"/>
           </p:cNvSpPr>
@@ -628,13 +730,13 @@
               <a:rPr lang="ko-KR" altLang="en-US" smtClean="0"/>
               <a:t>다섯째 수준</a:t>
             </a:r>
-            <a:endParaRPr lang="ko-KR" altLang="en-US"/>
-          </a:p>
-        </p:txBody>
-      </p:sp>
-      <p:sp>
-        <p:nvSpPr>
-          <p:cNvPr id="4" name="날짜 개체 틀 3"/>
+            <a:endParaRPr lang="en-US"/>
+          </a:p>
+        </p:txBody>
+      </p:sp>
+      <p:sp>
+        <p:nvSpPr>
+          <p:cNvPr id="4" name="Date Placeholder 3"/>
           <p:cNvSpPr>
             <a:spLocks noGrp="1"/>
           </p:cNvSpPr>
@@ -657,7 +759,7 @@
       </p:sp>
       <p:sp>
         <p:nvSpPr>
-          <p:cNvPr id="5" name="바닥글 개체 틀 4"/>
+          <p:cNvPr id="5" name="Footer Placeholder 4"/>
           <p:cNvSpPr>
             <a:spLocks noGrp="1"/>
           </p:cNvSpPr>
@@ -676,7 +778,7 @@
       </p:sp>
       <p:sp>
         <p:nvSpPr>
-          <p:cNvPr id="6" name="슬라이드 번호 개체 틀 5"/>
+          <p:cNvPr id="6" name="Slide Number Placeholder 5"/>
           <p:cNvSpPr>
             <a:spLocks noGrp="1"/>
           </p:cNvSpPr>
@@ -698,11 +800,6 @@
         </p:txBody>
       </p:sp>
     </p:spTree>
-    <p:extLst>
-      <p:ext uri="{BB962C8B-B14F-4D97-AF65-F5344CB8AC3E}">
-        <p14:creationId xmlns:p14="http://schemas.microsoft.com/office/powerpoint/2010/main" val="3796679498"/>
-      </p:ext>
-    </p:extLst>
   </p:cSld>
   <p:clrMapOvr>
     <a:masterClrMapping/>
@@ -729,7 +826,7 @@
       </p:grpSpPr>
       <p:sp>
         <p:nvSpPr>
-          <p:cNvPr id="2" name="제목 1"/>
+          <p:cNvPr id="2" name="Title 1"/>
           <p:cNvSpPr>
             <a:spLocks noGrp="1"/>
           </p:cNvSpPr>
@@ -746,13 +843,13 @@
               <a:rPr lang="ko-KR" altLang="en-US" smtClean="0"/>
               <a:t>마스터 제목 스타일 편집</a:t>
             </a:r>
-            <a:endParaRPr lang="ko-KR" altLang="en-US"/>
-          </a:p>
-        </p:txBody>
-      </p:sp>
-      <p:sp>
-        <p:nvSpPr>
-          <p:cNvPr id="3" name="내용 개체 틀 2"/>
+            <a:endParaRPr lang="en-US"/>
+          </a:p>
+        </p:txBody>
+      </p:sp>
+      <p:sp>
+        <p:nvSpPr>
+          <p:cNvPr id="3" name="Content Placeholder 2"/>
           <p:cNvSpPr>
             <a:spLocks noGrp="1"/>
           </p:cNvSpPr>
@@ -798,13 +895,13 @@
               <a:rPr lang="ko-KR" altLang="en-US" smtClean="0"/>
               <a:t>다섯째 수준</a:t>
             </a:r>
-            <a:endParaRPr lang="ko-KR" altLang="en-US"/>
-          </a:p>
-        </p:txBody>
-      </p:sp>
-      <p:sp>
-        <p:nvSpPr>
-          <p:cNvPr id="4" name="날짜 개체 틀 3"/>
+            <a:endParaRPr lang="en-US" dirty="0"/>
+          </a:p>
+        </p:txBody>
+      </p:sp>
+      <p:sp>
+        <p:nvSpPr>
+          <p:cNvPr id="4" name="Date Placeholder 3"/>
           <p:cNvSpPr>
             <a:spLocks noGrp="1"/>
           </p:cNvSpPr>
@@ -827,7 +924,7 @@
       </p:sp>
       <p:sp>
         <p:nvSpPr>
-          <p:cNvPr id="5" name="바닥글 개체 틀 4"/>
+          <p:cNvPr id="5" name="Footer Placeholder 4"/>
           <p:cNvSpPr>
             <a:spLocks noGrp="1"/>
           </p:cNvSpPr>
@@ -846,7 +943,7 @@
       </p:sp>
       <p:sp>
         <p:nvSpPr>
-          <p:cNvPr id="6" name="슬라이드 번호 개체 틀 5"/>
+          <p:cNvPr id="6" name="Slide Number Placeholder 5"/>
           <p:cNvSpPr>
             <a:spLocks noGrp="1"/>
           </p:cNvSpPr>
@@ -868,11 +965,6 @@
         </p:txBody>
       </p:sp>
     </p:spTree>
-    <p:extLst>
-      <p:ext uri="{BB962C8B-B14F-4D97-AF65-F5344CB8AC3E}">
-        <p14:creationId xmlns:p14="http://schemas.microsoft.com/office/powerpoint/2010/main" val="3935362702"/>
-      </p:ext>
-    </p:extLst>
   </p:cSld>
   <p:clrMapOvr>
     <a:masterClrMapping/>
@@ -899,7 +991,7 @@
       </p:grpSpPr>
       <p:sp>
         <p:nvSpPr>
-          <p:cNvPr id="2" name="제목 1"/>
+          <p:cNvPr id="2" name="Title 1"/>
           <p:cNvSpPr>
             <a:spLocks noGrp="1"/>
           </p:cNvSpPr>
@@ -909,15 +1001,24 @@
         </p:nvSpPr>
         <p:spPr>
           <a:xfrm>
-            <a:off x="722313" y="4406900"/>
-            <a:ext cx="7772400" cy="1362075"/>
+            <a:off x="457200" y="1447800"/>
+            <a:ext cx="7772400" cy="4321175"/>
           </a:xfrm>
         </p:spPr>
         <p:txBody>
-          <a:bodyPr anchor="t"/>
+          <a:bodyPr anchor="ctr">
+            <a:noAutofit/>
+          </a:bodyPr>
           <a:lstStyle>
             <a:lvl1pPr algn="l">
-              <a:defRPr sz="4000" b="1" cap="all"/>
+              <a:lnSpc>
+                <a:spcPct val="100000"/>
+              </a:lnSpc>
+              <a:defRPr sz="8800" b="0" cap="all" spc="-80" baseline="0">
+                <a:solidFill>
+                  <a:schemeClr val="tx1"/>
+                </a:solidFill>
+              </a:defRPr>
             </a:lvl1pPr>
           </a:lstStyle>
           <a:p>
@@ -925,13 +1026,13 @@
               <a:rPr lang="ko-KR" altLang="en-US" smtClean="0"/>
               <a:t>마스터 제목 스타일 편집</a:t>
             </a:r>
-            <a:endParaRPr lang="ko-KR" altLang="en-US"/>
-          </a:p>
-        </p:txBody>
-      </p:sp>
-      <p:sp>
-        <p:nvSpPr>
-          <p:cNvPr id="3" name="텍스트 개체 틀 2"/>
+            <a:endParaRPr lang="en-US" dirty="0"/>
+          </a:p>
+        </p:txBody>
+      </p:sp>
+      <p:sp>
+        <p:nvSpPr>
+          <p:cNvPr id="3" name="Text Placeholder 2"/>
           <p:cNvSpPr>
             <a:spLocks noGrp="1"/>
           </p:cNvSpPr>
@@ -941,8 +1042,8 @@
         </p:nvSpPr>
         <p:spPr>
           <a:xfrm>
-            <a:off x="722313" y="2906713"/>
-            <a:ext cx="7772400" cy="1500187"/>
+            <a:off x="457200" y="228601"/>
+            <a:ext cx="7772400" cy="1066800"/>
           </a:xfrm>
         </p:spPr>
         <p:txBody>
@@ -950,12 +1051,11 @@
           <a:lstStyle>
             <a:lvl1pPr marL="0" indent="0">
               <a:buNone/>
-              <a:defRPr sz="2000">
+              <a:defRPr sz="2000" b="0" cap="all" spc="120" baseline="0">
                 <a:solidFill>
-                  <a:schemeClr val="tx1">
-                    <a:tint val="75000"/>
-                  </a:schemeClr>
+                  <a:schemeClr val="tx2"/>
                 </a:solidFill>
+                <a:latin typeface="+mj-lt"/>
               </a:defRPr>
             </a:lvl1pPr>
             <a:lvl2pPr marL="457200" indent="0">
@@ -1050,7 +1150,7 @@
       </p:sp>
       <p:sp>
         <p:nvSpPr>
-          <p:cNvPr id="4" name="날짜 개체 틀 3"/>
+          <p:cNvPr id="7" name="Date Placeholder 6"/>
           <p:cNvSpPr>
             <a:spLocks noGrp="1"/>
           </p:cNvSpPr>
@@ -1073,31 +1173,12 @@
       </p:sp>
       <p:sp>
         <p:nvSpPr>
-          <p:cNvPr id="5" name="바닥글 개체 틀 4"/>
-          <p:cNvSpPr>
-            <a:spLocks noGrp="1"/>
-          </p:cNvSpPr>
-          <p:nvPr>
-            <p:ph type="ftr" sz="quarter" idx="11"/>
-          </p:nvPr>
-        </p:nvSpPr>
-        <p:spPr/>
-        <p:txBody>
-          <a:bodyPr/>
-          <a:lstStyle/>
-          <a:p>
-            <a:endParaRPr lang="ko-KR" altLang="en-US"/>
-          </a:p>
-        </p:txBody>
-      </p:sp>
-      <p:sp>
-        <p:nvSpPr>
-          <p:cNvPr id="6" name="슬라이드 번호 개체 틀 5"/>
-          <p:cNvSpPr>
-            <a:spLocks noGrp="1"/>
-          </p:cNvSpPr>
-          <p:nvPr>
-            <p:ph type="sldNum" sz="quarter" idx="12"/>
+          <p:cNvPr id="8" name="Slide Number Placeholder 7"/>
+          <p:cNvSpPr>
+            <a:spLocks noGrp="1"/>
+          </p:cNvSpPr>
+          <p:nvPr>
+            <p:ph type="sldNum" sz="quarter" idx="11"/>
           </p:nvPr>
         </p:nvSpPr>
         <p:spPr/>
@@ -1113,12 +1194,26 @@
           </a:p>
         </p:txBody>
       </p:sp>
+      <p:sp>
+        <p:nvSpPr>
+          <p:cNvPr id="9" name="Footer Placeholder 8"/>
+          <p:cNvSpPr>
+            <a:spLocks noGrp="1"/>
+          </p:cNvSpPr>
+          <p:nvPr>
+            <p:ph type="ftr" sz="quarter" idx="12"/>
+          </p:nvPr>
+        </p:nvSpPr>
+        <p:spPr/>
+        <p:txBody>
+          <a:bodyPr/>
+          <a:lstStyle/>
+          <a:p>
+            <a:endParaRPr lang="ko-KR" altLang="en-US"/>
+          </a:p>
+        </p:txBody>
+      </p:sp>
     </p:spTree>
-    <p:extLst>
-      <p:ext uri="{BB962C8B-B14F-4D97-AF65-F5344CB8AC3E}">
-        <p14:creationId xmlns:p14="http://schemas.microsoft.com/office/powerpoint/2010/main" val="501190080"/>
-      </p:ext>
-    </p:extLst>
   </p:cSld>
   <p:clrMapOvr>
     <a:masterClrMapping/>
@@ -1145,7 +1240,7 @@
       </p:grpSpPr>
       <p:sp>
         <p:nvSpPr>
-          <p:cNvPr id="2" name="제목 1"/>
+          <p:cNvPr id="2" name="Title 1"/>
           <p:cNvSpPr>
             <a:spLocks noGrp="1"/>
           </p:cNvSpPr>
@@ -1162,13 +1257,13 @@
               <a:rPr lang="ko-KR" altLang="en-US" smtClean="0"/>
               <a:t>마스터 제목 스타일 편집</a:t>
             </a:r>
-            <a:endParaRPr lang="ko-KR" altLang="en-US"/>
-          </a:p>
-        </p:txBody>
-      </p:sp>
-      <p:sp>
-        <p:nvSpPr>
-          <p:cNvPr id="3" name="내용 개체 틀 2"/>
+            <a:endParaRPr lang="en-US"/>
+          </a:p>
+        </p:txBody>
+      </p:sp>
+      <p:sp>
+        <p:nvSpPr>
+          <p:cNvPr id="3" name="Content Placeholder 2"/>
           <p:cNvSpPr>
             <a:spLocks noGrp="1"/>
           </p:cNvSpPr>
@@ -1178,8 +1273,8 @@
         </p:nvSpPr>
         <p:spPr>
           <a:xfrm>
-            <a:off x="457200" y="1600200"/>
-            <a:ext cx="4038600" cy="4525963"/>
+            <a:off x="1630680" y="1574800"/>
+            <a:ext cx="3291840" cy="4525963"/>
           </a:xfrm>
         </p:spPr>
         <p:txBody>
@@ -1247,13 +1342,13 @@
               <a:rPr lang="ko-KR" altLang="en-US" smtClean="0"/>
               <a:t>다섯째 수준</a:t>
             </a:r>
-            <a:endParaRPr lang="ko-KR" altLang="en-US"/>
-          </a:p>
-        </p:txBody>
-      </p:sp>
-      <p:sp>
-        <p:nvSpPr>
-          <p:cNvPr id="4" name="내용 개체 틀 3"/>
+            <a:endParaRPr lang="en-US" dirty="0"/>
+          </a:p>
+        </p:txBody>
+      </p:sp>
+      <p:sp>
+        <p:nvSpPr>
+          <p:cNvPr id="4" name="Content Placeholder 3"/>
           <p:cNvSpPr>
             <a:spLocks noGrp="1"/>
           </p:cNvSpPr>
@@ -1263,8 +1358,8 @@
         </p:nvSpPr>
         <p:spPr>
           <a:xfrm>
-            <a:off x="4648200" y="1600200"/>
-            <a:ext cx="4038600" cy="4525963"/>
+            <a:off x="5090160" y="1574800"/>
+            <a:ext cx="3291840" cy="4525963"/>
           </a:xfrm>
         </p:spPr>
         <p:txBody>
@@ -1332,13 +1427,13 @@
               <a:rPr lang="ko-KR" altLang="en-US" smtClean="0"/>
               <a:t>다섯째 수준</a:t>
             </a:r>
-            <a:endParaRPr lang="ko-KR" altLang="en-US"/>
-          </a:p>
-        </p:txBody>
-      </p:sp>
-      <p:sp>
-        <p:nvSpPr>
-          <p:cNvPr id="5" name="날짜 개체 틀 4"/>
+            <a:endParaRPr lang="en-US" dirty="0"/>
+          </a:p>
+        </p:txBody>
+      </p:sp>
+      <p:sp>
+        <p:nvSpPr>
+          <p:cNvPr id="5" name="Date Placeholder 4"/>
           <p:cNvSpPr>
             <a:spLocks noGrp="1"/>
           </p:cNvSpPr>
@@ -1361,7 +1456,7 @@
       </p:sp>
       <p:sp>
         <p:nvSpPr>
-          <p:cNvPr id="6" name="바닥글 개체 틀 5"/>
+          <p:cNvPr id="6" name="Footer Placeholder 5"/>
           <p:cNvSpPr>
             <a:spLocks noGrp="1"/>
           </p:cNvSpPr>
@@ -1380,7 +1475,7 @@
       </p:sp>
       <p:sp>
         <p:nvSpPr>
-          <p:cNvPr id="7" name="슬라이드 번호 개체 틀 6"/>
+          <p:cNvPr id="7" name="Slide Number Placeholder 6"/>
           <p:cNvSpPr>
             <a:spLocks noGrp="1"/>
           </p:cNvSpPr>
@@ -1402,11 +1497,6 @@
         </p:txBody>
       </p:sp>
     </p:spTree>
-    <p:extLst>
-      <p:ext uri="{BB962C8B-B14F-4D97-AF65-F5344CB8AC3E}">
-        <p14:creationId xmlns:p14="http://schemas.microsoft.com/office/powerpoint/2010/main" val="3944317136"/>
-      </p:ext>
-    </p:extLst>
   </p:cSld>
   <p:clrMapOvr>
     <a:masterClrMapping/>
@@ -1433,7 +1523,7 @@
       </p:grpSpPr>
       <p:sp>
         <p:nvSpPr>
-          <p:cNvPr id="2" name="제목 1"/>
+          <p:cNvPr id="2" name="Title 1"/>
           <p:cNvSpPr>
             <a:spLocks noGrp="1"/>
           </p:cNvSpPr>
@@ -1454,13 +1544,13 @@
               <a:rPr lang="ko-KR" altLang="en-US" smtClean="0"/>
               <a:t>마스터 제목 스타일 편집</a:t>
             </a:r>
-            <a:endParaRPr lang="ko-KR" altLang="en-US"/>
-          </a:p>
-        </p:txBody>
-      </p:sp>
-      <p:sp>
-        <p:nvSpPr>
-          <p:cNvPr id="3" name="텍스트 개체 틀 2"/>
+            <a:endParaRPr lang="en-US"/>
+          </a:p>
+        </p:txBody>
+      </p:sp>
+      <p:sp>
+        <p:nvSpPr>
+          <p:cNvPr id="3" name="Text Placeholder 2"/>
           <p:cNvSpPr>
             <a:spLocks noGrp="1"/>
           </p:cNvSpPr>
@@ -1470,16 +1560,23 @@
         </p:nvSpPr>
         <p:spPr>
           <a:xfrm>
-            <a:off x="457200" y="1535113"/>
-            <a:ext cx="4040188" cy="639762"/>
+            <a:off x="1627632" y="1572768"/>
+            <a:ext cx="3291840" cy="639762"/>
           </a:xfrm>
         </p:spPr>
         <p:txBody>
-          <a:bodyPr anchor="b"/>
+          <a:bodyPr anchor="b">
+            <a:noAutofit/>
+          </a:bodyPr>
           <a:lstStyle>
             <a:lvl1pPr marL="0" indent="0">
               <a:buNone/>
-              <a:defRPr sz="2400" b="1"/>
+              <a:defRPr sz="1800" b="0" cap="all" spc="100" baseline="0">
+                <a:solidFill>
+                  <a:schemeClr val="tx1"/>
+                </a:solidFill>
+                <a:latin typeface="+mj-lt"/>
+              </a:defRPr>
             </a:lvl1pPr>
             <a:lvl2pPr marL="457200" indent="0">
               <a:buNone/>
@@ -1525,7 +1622,7 @@
       </p:sp>
       <p:sp>
         <p:nvSpPr>
-          <p:cNvPr id="4" name="내용 개체 틀 3"/>
+          <p:cNvPr id="4" name="Content Placeholder 3"/>
           <p:cNvSpPr>
             <a:spLocks noGrp="1"/>
           </p:cNvSpPr>
@@ -1535,8 +1632,8 @@
         </p:nvSpPr>
         <p:spPr>
           <a:xfrm>
-            <a:off x="457200" y="2174875"/>
-            <a:ext cx="4040188" cy="3951288"/>
+            <a:off x="1627632" y="2259366"/>
+            <a:ext cx="3291840" cy="3840480"/>
           </a:xfrm>
         </p:spPr>
         <p:txBody>
@@ -1604,13 +1701,13 @@
               <a:rPr lang="ko-KR" altLang="en-US" smtClean="0"/>
               <a:t>다섯째 수준</a:t>
             </a:r>
-            <a:endParaRPr lang="ko-KR" altLang="en-US"/>
-          </a:p>
-        </p:txBody>
-      </p:sp>
-      <p:sp>
-        <p:nvSpPr>
-          <p:cNvPr id="5" name="텍스트 개체 틀 4"/>
+            <a:endParaRPr lang="en-US" dirty="0"/>
+          </a:p>
+        </p:txBody>
+      </p:sp>
+      <p:sp>
+        <p:nvSpPr>
+          <p:cNvPr id="5" name="Text Placeholder 4"/>
           <p:cNvSpPr>
             <a:spLocks noGrp="1"/>
           </p:cNvSpPr>
@@ -1620,16 +1717,25 @@
         </p:nvSpPr>
         <p:spPr>
           <a:xfrm>
-            <a:off x="4645025" y="1535113"/>
-            <a:ext cx="4041775" cy="639762"/>
+            <a:off x="5093208" y="1572768"/>
+            <a:ext cx="3291840" cy="639762"/>
           </a:xfrm>
         </p:spPr>
         <p:txBody>
-          <a:bodyPr anchor="b"/>
+          <a:bodyPr anchor="b">
+            <a:noAutofit/>
+          </a:bodyPr>
           <a:lstStyle>
             <a:lvl1pPr marL="0" indent="0">
               <a:buNone/>
-              <a:defRPr sz="2400" b="1"/>
+              <a:defRPr lang="en-US" sz="1800" b="0" kern="1200" cap="all" spc="100" baseline="0" dirty="0" smtClean="0">
+                <a:solidFill>
+                  <a:schemeClr val="tx1"/>
+                </a:solidFill>
+                <a:latin typeface="+mj-lt"/>
+                <a:ea typeface="+mn-ea"/>
+                <a:cs typeface="+mn-cs"/>
+              </a:defRPr>
             </a:lvl1pPr>
             <a:lvl2pPr marL="457200" indent="0">
               <a:buNone/>
@@ -1665,7 +1771,13 @@
             </a:lvl9pPr>
           </a:lstStyle>
           <a:p>
-            <a:pPr lvl="0"/>
+            <a:pPr marL="0" lvl="0" indent="0" algn="l" defTabSz="914400" rtl="0" eaLnBrk="1" latinLnBrk="0" hangingPunct="1">
+              <a:spcBef>
+                <a:spcPct val="20000"/>
+              </a:spcBef>
+              <a:buFont typeface="Arial" pitchFamily="34" charset="0"/>
+              <a:buNone/>
+            </a:pPr>
             <a:r>
               <a:rPr lang="ko-KR" altLang="en-US" smtClean="0"/>
               <a:t>마스터 텍스트 스타일을 편집합니다</a:t>
@@ -1675,7 +1787,7 @@
       </p:sp>
       <p:sp>
         <p:nvSpPr>
-          <p:cNvPr id="6" name="내용 개체 틀 5"/>
+          <p:cNvPr id="6" name="Content Placeholder 5"/>
           <p:cNvSpPr>
             <a:spLocks noGrp="1"/>
           </p:cNvSpPr>
@@ -1685,8 +1797,8 @@
         </p:nvSpPr>
         <p:spPr>
           <a:xfrm>
-            <a:off x="4645025" y="2174875"/>
-            <a:ext cx="4041775" cy="3951288"/>
+            <a:off x="5093208" y="2259366"/>
+            <a:ext cx="3291840" cy="3840480"/>
           </a:xfrm>
         </p:spPr>
         <p:txBody>
@@ -1754,13 +1866,13 @@
               <a:rPr lang="ko-KR" altLang="en-US" smtClean="0"/>
               <a:t>다섯째 수준</a:t>
             </a:r>
-            <a:endParaRPr lang="ko-KR" altLang="en-US"/>
-          </a:p>
-        </p:txBody>
-      </p:sp>
-      <p:sp>
-        <p:nvSpPr>
-          <p:cNvPr id="7" name="날짜 개체 틀 6"/>
+            <a:endParaRPr lang="en-US" dirty="0"/>
+          </a:p>
+        </p:txBody>
+      </p:sp>
+      <p:sp>
+        <p:nvSpPr>
+          <p:cNvPr id="7" name="Date Placeholder 6"/>
           <p:cNvSpPr>
             <a:spLocks noGrp="1"/>
           </p:cNvSpPr>
@@ -1783,7 +1895,7 @@
       </p:sp>
       <p:sp>
         <p:nvSpPr>
-          <p:cNvPr id="8" name="바닥글 개체 틀 7"/>
+          <p:cNvPr id="8" name="Footer Placeholder 7"/>
           <p:cNvSpPr>
             <a:spLocks noGrp="1"/>
           </p:cNvSpPr>
@@ -1802,7 +1914,7 @@
       </p:sp>
       <p:sp>
         <p:nvSpPr>
-          <p:cNvPr id="9" name="슬라이드 번호 개체 틀 8"/>
+          <p:cNvPr id="9" name="Slide Number Placeholder 8"/>
           <p:cNvSpPr>
             <a:spLocks noGrp="1"/>
           </p:cNvSpPr>
@@ -1824,11 +1936,6 @@
         </p:txBody>
       </p:sp>
     </p:spTree>
-    <p:extLst>
-      <p:ext uri="{BB962C8B-B14F-4D97-AF65-F5344CB8AC3E}">
-        <p14:creationId xmlns:p14="http://schemas.microsoft.com/office/powerpoint/2010/main" val="2360648333"/>
-      </p:ext>
-    </p:extLst>
   </p:cSld>
   <p:clrMapOvr>
     <a:masterClrMapping/>
@@ -1855,7 +1962,7 @@
       </p:grpSpPr>
       <p:sp>
         <p:nvSpPr>
-          <p:cNvPr id="2" name="제목 1"/>
+          <p:cNvPr id="2" name="Title 1"/>
           <p:cNvSpPr>
             <a:spLocks noGrp="1"/>
           </p:cNvSpPr>
@@ -1872,13 +1979,13 @@
               <a:rPr lang="ko-KR" altLang="en-US" smtClean="0"/>
               <a:t>마스터 제목 스타일 편집</a:t>
             </a:r>
-            <a:endParaRPr lang="ko-KR" altLang="en-US"/>
-          </a:p>
-        </p:txBody>
-      </p:sp>
-      <p:sp>
-        <p:nvSpPr>
-          <p:cNvPr id="3" name="날짜 개체 틀 2"/>
+            <a:endParaRPr lang="en-US"/>
+          </a:p>
+        </p:txBody>
+      </p:sp>
+      <p:sp>
+        <p:nvSpPr>
+          <p:cNvPr id="3" name="Date Placeholder 2"/>
           <p:cNvSpPr>
             <a:spLocks noGrp="1"/>
           </p:cNvSpPr>
@@ -1901,7 +2008,7 @@
       </p:sp>
       <p:sp>
         <p:nvSpPr>
-          <p:cNvPr id="4" name="바닥글 개체 틀 3"/>
+          <p:cNvPr id="4" name="Footer Placeholder 3"/>
           <p:cNvSpPr>
             <a:spLocks noGrp="1"/>
           </p:cNvSpPr>
@@ -1920,7 +2027,7 @@
       </p:sp>
       <p:sp>
         <p:nvSpPr>
-          <p:cNvPr id="5" name="슬라이드 번호 개체 틀 4"/>
+          <p:cNvPr id="5" name="Slide Number Placeholder 4"/>
           <p:cNvSpPr>
             <a:spLocks noGrp="1"/>
           </p:cNvSpPr>
@@ -1942,11 +2049,6 @@
         </p:txBody>
       </p:sp>
     </p:spTree>
-    <p:extLst>
-      <p:ext uri="{BB962C8B-B14F-4D97-AF65-F5344CB8AC3E}">
-        <p14:creationId xmlns:p14="http://schemas.microsoft.com/office/powerpoint/2010/main" val="553187707"/>
-      </p:ext>
-    </p:extLst>
   </p:cSld>
   <p:clrMapOvr>
     <a:masterClrMapping/>
@@ -1973,7 +2075,7 @@
       </p:grpSpPr>
       <p:sp>
         <p:nvSpPr>
-          <p:cNvPr id="2" name="날짜 개체 틀 1"/>
+          <p:cNvPr id="2" name="Date Placeholder 1"/>
           <p:cNvSpPr>
             <a:spLocks noGrp="1"/>
           </p:cNvSpPr>
@@ -1996,7 +2098,7 @@
       </p:sp>
       <p:sp>
         <p:nvSpPr>
-          <p:cNvPr id="3" name="바닥글 개체 틀 2"/>
+          <p:cNvPr id="3" name="Footer Placeholder 2"/>
           <p:cNvSpPr>
             <a:spLocks noGrp="1"/>
           </p:cNvSpPr>
@@ -2015,7 +2117,7 @@
       </p:sp>
       <p:sp>
         <p:nvSpPr>
-          <p:cNvPr id="4" name="슬라이드 번호 개체 틀 3"/>
+          <p:cNvPr id="4" name="Slide Number Placeholder 3"/>
           <p:cNvSpPr>
             <a:spLocks noGrp="1"/>
           </p:cNvSpPr>
@@ -2037,11 +2139,6 @@
         </p:txBody>
       </p:sp>
     </p:spTree>
-    <p:extLst>
-      <p:ext uri="{BB962C8B-B14F-4D97-AF65-F5344CB8AC3E}">
-        <p14:creationId xmlns:p14="http://schemas.microsoft.com/office/powerpoint/2010/main" val="1337727553"/>
-      </p:ext>
-    </p:extLst>
   </p:cSld>
   <p:clrMapOvr>
     <a:masterClrMapping/>
@@ -2068,50 +2165,18 @@
       </p:grpSpPr>
       <p:sp>
         <p:nvSpPr>
-          <p:cNvPr id="2" name="제목 1"/>
-          <p:cNvSpPr>
-            <a:spLocks noGrp="1"/>
-          </p:cNvSpPr>
-          <p:nvPr>
-            <p:ph type="title"/>
+          <p:cNvPr id="3" name="Content Placeholder 2"/>
+          <p:cNvSpPr>
+            <a:spLocks noGrp="1"/>
+          </p:cNvSpPr>
+          <p:nvPr>
+            <p:ph idx="1"/>
           </p:nvPr>
         </p:nvSpPr>
         <p:spPr>
           <a:xfrm>
-            <a:off x="457200" y="273050"/>
-            <a:ext cx="3008313" cy="1162050"/>
-          </a:xfrm>
-        </p:spPr>
-        <p:txBody>
-          <a:bodyPr anchor="b"/>
-          <a:lstStyle>
-            <a:lvl1pPr algn="l">
-              <a:defRPr sz="2000" b="1"/>
-            </a:lvl1pPr>
-          </a:lstStyle>
-          <a:p>
-            <a:r>
-              <a:rPr lang="ko-KR" altLang="en-US" smtClean="0"/>
-              <a:t>마스터 제목 스타일 편집</a:t>
-            </a:r>
-            <a:endParaRPr lang="ko-KR" altLang="en-US"/>
-          </a:p>
-        </p:txBody>
-      </p:sp>
-      <p:sp>
-        <p:nvSpPr>
-          <p:cNvPr id="3" name="내용 개체 틀 2"/>
-          <p:cNvSpPr>
-            <a:spLocks noGrp="1"/>
-          </p:cNvSpPr>
-          <p:nvPr>
-            <p:ph idx="1"/>
-          </p:nvPr>
-        </p:nvSpPr>
-        <p:spPr>
-          <a:xfrm>
-            <a:off x="3575050" y="273050"/>
-            <a:ext cx="5111750" cy="5853113"/>
+            <a:off x="3575050" y="1600200"/>
+            <a:ext cx="5111750" cy="4480560"/>
           </a:xfrm>
         </p:spPr>
         <p:txBody>
@@ -2179,13 +2244,13 @@
               <a:rPr lang="ko-KR" altLang="en-US" smtClean="0"/>
               <a:t>다섯째 수준</a:t>
             </a:r>
-            <a:endParaRPr lang="ko-KR" altLang="en-US"/>
-          </a:p>
-        </p:txBody>
-      </p:sp>
-      <p:sp>
-        <p:nvSpPr>
-          <p:cNvPr id="4" name="텍스트 개체 틀 3"/>
+            <a:endParaRPr lang="en-US" dirty="0"/>
+          </a:p>
+        </p:txBody>
+      </p:sp>
+      <p:sp>
+        <p:nvSpPr>
+          <p:cNvPr id="4" name="Text Placeholder 3"/>
           <p:cNvSpPr>
             <a:spLocks noGrp="1"/>
           </p:cNvSpPr>
@@ -2195,16 +2260,18 @@
         </p:nvSpPr>
         <p:spPr>
           <a:xfrm>
-            <a:off x="457200" y="1435100"/>
-            <a:ext cx="3008313" cy="4691063"/>
+            <a:off x="457200" y="1600200"/>
+            <a:ext cx="3008313" cy="4480560"/>
           </a:xfrm>
         </p:spPr>
         <p:txBody>
-          <a:bodyPr/>
+          <a:bodyPr>
+            <a:normAutofit/>
+          </a:bodyPr>
           <a:lstStyle>
             <a:lvl1pPr marL="0" indent="0">
               <a:buNone/>
-              <a:defRPr sz="1400"/>
+              <a:defRPr sz="1600"/>
             </a:lvl1pPr>
             <a:lvl2pPr marL="457200" indent="0">
               <a:buNone/>
@@ -2250,7 +2317,7 @@
       </p:sp>
       <p:sp>
         <p:nvSpPr>
-          <p:cNvPr id="5" name="날짜 개체 틀 4"/>
+          <p:cNvPr id="5" name="Date Placeholder 4"/>
           <p:cNvSpPr>
             <a:spLocks noGrp="1"/>
           </p:cNvSpPr>
@@ -2273,7 +2340,7 @@
       </p:sp>
       <p:sp>
         <p:nvSpPr>
-          <p:cNvPr id="6" name="바닥글 개체 틀 5"/>
+          <p:cNvPr id="6" name="Footer Placeholder 5"/>
           <p:cNvSpPr>
             <a:spLocks noGrp="1"/>
           </p:cNvSpPr>
@@ -2292,7 +2359,7 @@
       </p:sp>
       <p:sp>
         <p:nvSpPr>
-          <p:cNvPr id="7" name="슬라이드 번호 개체 틀 6"/>
+          <p:cNvPr id="7" name="Slide Number Placeholder 6"/>
           <p:cNvSpPr>
             <a:spLocks noGrp="1"/>
           </p:cNvSpPr>
@@ -2313,12 +2380,30 @@
           </a:p>
         </p:txBody>
       </p:sp>
+      <p:sp>
+        <p:nvSpPr>
+          <p:cNvPr id="8" name="Title 7"/>
+          <p:cNvSpPr>
+            <a:spLocks noGrp="1"/>
+          </p:cNvSpPr>
+          <p:nvPr>
+            <p:ph type="title"/>
+          </p:nvPr>
+        </p:nvSpPr>
+        <p:spPr/>
+        <p:txBody>
+          <a:bodyPr/>
+          <a:lstStyle/>
+          <a:p>
+            <a:r>
+              <a:rPr lang="ko-KR" altLang="en-US" smtClean="0"/>
+              <a:t>마스터 제목 스타일 편집</a:t>
+            </a:r>
+            <a:endParaRPr lang="en-US"/>
+          </a:p>
+        </p:txBody>
+      </p:sp>
     </p:spTree>
-    <p:extLst>
-      <p:ext uri="{BB962C8B-B14F-4D97-AF65-F5344CB8AC3E}">
-        <p14:creationId xmlns:p14="http://schemas.microsoft.com/office/powerpoint/2010/main" val="4061056572"/>
-      </p:ext>
-    </p:extLst>
   </p:cSld>
   <p:clrMapOvr>
     <a:masterClrMapping/>
@@ -2327,7 +2412,7 @@
 </file>
 
 <file path=ppt/slideLayouts/slideLayout9.xml><?xml version="1.0" encoding="utf-8"?>
-<p:sldLayout xmlns:a="http://schemas.openxmlformats.org/drawingml/2006/main" xmlns:r="http://schemas.openxmlformats.org/officeDocument/2006/relationships" xmlns:p="http://schemas.openxmlformats.org/presentationml/2006/main" type="picTx" preserve="1">
+<p:sldLayout xmlns:a="http://schemas.openxmlformats.org/drawingml/2006/main" xmlns:r="http://schemas.openxmlformats.org/officeDocument/2006/relationships" xmlns:p="http://schemas.openxmlformats.org/presentationml/2006/main" showMasterSp="0" type="picTx" preserve="1">
   <p:cSld name="캡션 있는 그림">
     <p:spTree>
       <p:nvGrpSpPr>
@@ -2345,39 +2430,53 @@
       </p:grpSpPr>
       <p:sp>
         <p:nvSpPr>
-          <p:cNvPr id="2" name="제목 1"/>
-          <p:cNvSpPr>
-            <a:spLocks noGrp="1"/>
-          </p:cNvSpPr>
-          <p:nvPr>
-            <p:ph type="title"/>
-          </p:nvPr>
+          <p:cNvPr id="9" name="Rectangle 8"/>
+          <p:cNvSpPr/>
+          <p:nvPr/>
         </p:nvSpPr>
         <p:spPr>
           <a:xfrm>
-            <a:off x="1792288" y="4800600"/>
-            <a:ext cx="5486400" cy="566738"/>
+            <a:off x="9001124" y="4846320"/>
+            <a:ext cx="142876" cy="2011680"/>
           </a:xfrm>
+          <a:prstGeom prst="rect">
+            <a:avLst/>
+          </a:prstGeom>
+          <a:solidFill>
+            <a:schemeClr val="tx2"/>
+          </a:solidFill>
+          <a:ln>
+            <a:noFill/>
+          </a:ln>
         </p:spPr>
-        <p:txBody>
-          <a:bodyPr anchor="b"/>
-          <a:lstStyle>
-            <a:lvl1pPr algn="l">
-              <a:defRPr sz="2000" b="1"/>
-            </a:lvl1pPr>
-          </a:lstStyle>
-          <a:p>
-            <a:r>
-              <a:rPr lang="ko-KR" altLang="en-US" smtClean="0"/>
-              <a:t>마스터 제목 스타일 편집</a:t>
-            </a:r>
-            <a:endParaRPr lang="ko-KR" altLang="en-US"/>
-          </a:p>
-        </p:txBody>
-      </p:sp>
-      <p:sp>
-        <p:nvSpPr>
-          <p:cNvPr id="3" name="그림 개체 틀 2"/>
+        <p:style>
+          <a:lnRef idx="2">
+            <a:schemeClr val="accent1">
+              <a:shade val="50000"/>
+            </a:schemeClr>
+          </a:lnRef>
+          <a:fillRef idx="1">
+            <a:schemeClr val="accent1"/>
+          </a:fillRef>
+          <a:effectRef idx="0">
+            <a:schemeClr val="accent1"/>
+          </a:effectRef>
+          <a:fontRef idx="minor">
+            <a:schemeClr val="lt1"/>
+          </a:fontRef>
+        </p:style>
+        <p:txBody>
+          <a:bodyPr rtlCol="0" anchor="ctr"/>
+          <a:lstStyle/>
+          <a:p>
+            <a:pPr algn="ctr"/>
+            <a:endParaRPr lang="en-US"/>
+          </a:p>
+        </p:txBody>
+      </p:sp>
+      <p:sp>
+        <p:nvSpPr>
+          <p:cNvPr id="3" name="Picture Placeholder 2"/>
           <p:cNvSpPr>
             <a:spLocks noGrp="1"/>
           </p:cNvSpPr>
@@ -2387,9 +2486,14 @@
         </p:nvSpPr>
         <p:spPr>
           <a:xfrm>
-            <a:off x="1792288" y="612775"/>
-            <a:ext cx="5486400" cy="4114800"/>
+            <a:off x="-1" y="0"/>
+            <a:ext cx="9000877" cy="4846320"/>
           </a:xfrm>
+          <a:solidFill>
+            <a:schemeClr val="bg1">
+              <a:lumMod val="75000"/>
+            </a:schemeClr>
+          </a:solidFill>
         </p:spPr>
         <p:txBody>
           <a:bodyPr/>
@@ -2432,13 +2536,17 @@
             </a:lvl9pPr>
           </a:lstStyle>
           <a:p>
-            <a:endParaRPr lang="ko-KR" altLang="en-US"/>
-          </a:p>
-        </p:txBody>
-      </p:sp>
-      <p:sp>
-        <p:nvSpPr>
-          <p:cNvPr id="4" name="텍스트 개체 틀 3"/>
+            <a:r>
+              <a:rPr lang="ko-KR" altLang="en-US" smtClean="0"/>
+              <a:t>그림을 추가하려면 아이콘을 클릭하십시오</a:t>
+            </a:r>
+            <a:endParaRPr lang="en-US"/>
+          </a:p>
+        </p:txBody>
+      </p:sp>
+      <p:sp>
+        <p:nvSpPr>
+          <p:cNvPr id="4" name="Text Placeholder 3"/>
           <p:cNvSpPr>
             <a:spLocks noGrp="1"/>
           </p:cNvSpPr>
@@ -2448,8 +2556,8 @@
         </p:nvSpPr>
         <p:spPr>
           <a:xfrm>
-            <a:off x="1792288" y="5367338"/>
-            <a:ext cx="5486400" cy="804862"/>
+            <a:off x="457200" y="5715000"/>
+            <a:ext cx="8153400" cy="457200"/>
           </a:xfrm>
         </p:spPr>
         <p:txBody>
@@ -2457,7 +2565,7 @@
           <a:lstStyle>
             <a:lvl1pPr marL="0" indent="0">
               <a:buNone/>
-              <a:defRPr sz="1400"/>
+              <a:defRPr sz="1600"/>
             </a:lvl1pPr>
             <a:lvl2pPr marL="457200" indent="0">
               <a:buNone/>
@@ -2503,7 +2611,7 @@
       </p:sp>
       <p:sp>
         <p:nvSpPr>
-          <p:cNvPr id="5" name="날짜 개체 틀 4"/>
+          <p:cNvPr id="5" name="Date Placeholder 4"/>
           <p:cNvSpPr>
             <a:spLocks noGrp="1"/>
           </p:cNvSpPr>
@@ -2526,7 +2634,7 @@
       </p:sp>
       <p:sp>
         <p:nvSpPr>
-          <p:cNvPr id="6" name="바닥글 개체 틀 5"/>
+          <p:cNvPr id="6" name="Footer Placeholder 5"/>
           <p:cNvSpPr>
             <a:spLocks noGrp="1"/>
           </p:cNvSpPr>
@@ -2545,7 +2653,7 @@
       </p:sp>
       <p:sp>
         <p:nvSpPr>
-          <p:cNvPr id="7" name="슬라이드 번호 개체 틀 6"/>
+          <p:cNvPr id="7" name="Slide Number Placeholder 6"/>
           <p:cNvSpPr>
             <a:spLocks noGrp="1"/>
           </p:cNvSpPr>
@@ -2556,7 +2664,15 @@
         <p:spPr/>
         <p:txBody>
           <a:bodyPr/>
-          <a:lstStyle/>
+          <a:lstStyle>
+            <a:lvl1pPr>
+              <a:defRPr>
+                <a:solidFill>
+                  <a:schemeClr val="tx1"/>
+                </a:solidFill>
+              </a:defRPr>
+            </a:lvl1pPr>
+          </a:lstStyle>
           <a:p>
             <a:fld id="{E34C4C19-8E67-4D52-AC59-B8A6C3E2CFA6}" type="slidenum">
               <a:rPr lang="ko-KR" altLang="en-US" smtClean="0"/>
@@ -2566,12 +2682,87 @@
           </a:p>
         </p:txBody>
       </p:sp>
+      <p:sp>
+        <p:nvSpPr>
+          <p:cNvPr id="8" name="Title 7"/>
+          <p:cNvSpPr>
+            <a:spLocks noGrp="1"/>
+          </p:cNvSpPr>
+          <p:nvPr>
+            <p:ph type="title"/>
+          </p:nvPr>
+        </p:nvSpPr>
+        <p:spPr>
+          <a:xfrm>
+            <a:off x="457200" y="4953000"/>
+            <a:ext cx="8153400" cy="762000"/>
+          </a:xfrm>
+        </p:spPr>
+        <p:txBody>
+          <a:bodyPr anchor="t">
+            <a:normAutofit/>
+          </a:bodyPr>
+          <a:lstStyle>
+            <a:lvl1pPr>
+              <a:defRPr sz="3200"/>
+            </a:lvl1pPr>
+          </a:lstStyle>
+          <a:p>
+            <a:r>
+              <a:rPr lang="ko-KR" altLang="en-US" smtClean="0"/>
+              <a:t>마스터 제목 스타일 편집</a:t>
+            </a:r>
+            <a:endParaRPr lang="en-US" dirty="0"/>
+          </a:p>
+        </p:txBody>
+      </p:sp>
+      <p:sp>
+        <p:nvSpPr>
+          <p:cNvPr id="10" name="Rectangle 9"/>
+          <p:cNvSpPr/>
+          <p:nvPr/>
+        </p:nvSpPr>
+        <p:spPr>
+          <a:xfrm>
+            <a:off x="9001124" y="0"/>
+            <a:ext cx="142876" cy="4846320"/>
+          </a:xfrm>
+          <a:prstGeom prst="rect">
+            <a:avLst/>
+          </a:prstGeom>
+          <a:solidFill>
+            <a:schemeClr val="tx1"/>
+          </a:solidFill>
+          <a:ln>
+            <a:noFill/>
+          </a:ln>
+        </p:spPr>
+        <p:style>
+          <a:lnRef idx="2">
+            <a:schemeClr val="accent1">
+              <a:shade val="50000"/>
+            </a:schemeClr>
+          </a:lnRef>
+          <a:fillRef idx="1">
+            <a:schemeClr val="accent1"/>
+          </a:fillRef>
+          <a:effectRef idx="0">
+            <a:schemeClr val="accent1"/>
+          </a:effectRef>
+          <a:fontRef idx="minor">
+            <a:schemeClr val="lt1"/>
+          </a:fontRef>
+        </p:style>
+        <p:txBody>
+          <a:bodyPr rtlCol="0" anchor="ctr"/>
+          <a:lstStyle/>
+          <a:p>
+            <a:pPr algn="ctr"/>
+            <a:endParaRPr lang="en-US"/>
+          </a:p>
+        </p:txBody>
+      </p:sp>
     </p:spTree>
-    <p:extLst>
-      <p:ext uri="{BB962C8B-B14F-4D97-AF65-F5344CB8AC3E}">
-        <p14:creationId xmlns:p14="http://schemas.microsoft.com/office/powerpoint/2010/main" val="3276494547"/>
-      </p:ext>
-    </p:extLst>
   </p:cSld>
   <p:clrMapOvr>
     <a:masterClrMapping/>
@@ -2603,7 +2794,7 @@
       </p:grpSpPr>
       <p:sp>
         <p:nvSpPr>
-          <p:cNvPr id="2" name="제목 개체 틀 1"/>
+          <p:cNvPr id="2" name="Title Placeholder 1"/>
           <p:cNvSpPr>
             <a:spLocks noGrp="1"/>
           </p:cNvSpPr>
@@ -2613,15 +2804,15 @@
         </p:nvSpPr>
         <p:spPr>
           <a:xfrm>
-            <a:off x="457200" y="274638"/>
-            <a:ext cx="8229600" cy="1143000"/>
+            <a:off x="457200" y="152718"/>
+            <a:ext cx="5791200" cy="1371600"/>
           </a:xfrm>
           <a:prstGeom prst="rect">
             <a:avLst/>
           </a:prstGeom>
         </p:spPr>
         <p:txBody>
-          <a:bodyPr vert="horz" lIns="91440" tIns="45720" rIns="91440" bIns="45720" rtlCol="0" anchor="ctr">
+          <a:bodyPr vert="horz" lIns="91440" tIns="45720" rIns="91440" bIns="45720" rtlCol="0" anchor="b">
             <a:normAutofit/>
           </a:bodyPr>
           <a:lstStyle/>
@@ -2630,13 +2821,13 @@
               <a:rPr lang="ko-KR" altLang="en-US" smtClean="0"/>
               <a:t>마스터 제목 스타일 편집</a:t>
             </a:r>
-            <a:endParaRPr lang="ko-KR" altLang="en-US"/>
-          </a:p>
-        </p:txBody>
-      </p:sp>
-      <p:sp>
-        <p:nvSpPr>
-          <p:cNvPr id="3" name="텍스트 개체 틀 2"/>
+            <a:endParaRPr lang="en-US" dirty="0"/>
+          </a:p>
+        </p:txBody>
+      </p:sp>
+      <p:sp>
+        <p:nvSpPr>
+          <p:cNvPr id="3" name="Text Placeholder 2"/>
           <p:cNvSpPr>
             <a:spLocks noGrp="1"/>
           </p:cNvSpPr>
@@ -2646,8 +2837,8 @@
         </p:nvSpPr>
         <p:spPr>
           <a:xfrm>
-            <a:off x="457200" y="1600200"/>
-            <a:ext cx="8229600" cy="4525963"/>
+            <a:off x="457200" y="1752600"/>
+            <a:ext cx="7620000" cy="4373563"/>
           </a:xfrm>
           <a:prstGeom prst="rect">
             <a:avLst/>
@@ -2692,13 +2883,13 @@
               <a:rPr lang="ko-KR" altLang="en-US" smtClean="0"/>
               <a:t>다섯째 수준</a:t>
             </a:r>
-            <a:endParaRPr lang="ko-KR" altLang="en-US"/>
-          </a:p>
-        </p:txBody>
-      </p:sp>
-      <p:sp>
-        <p:nvSpPr>
-          <p:cNvPr id="4" name="날짜 개체 틀 3"/>
+            <a:endParaRPr lang="en-US" dirty="0"/>
+          </a:p>
+        </p:txBody>
+      </p:sp>
+      <p:sp>
+        <p:nvSpPr>
+          <p:cNvPr id="4" name="Date Placeholder 3"/>
           <p:cNvSpPr>
             <a:spLocks noGrp="1"/>
           </p:cNvSpPr>
@@ -2708,22 +2899,20 @@
         </p:nvSpPr>
         <p:spPr>
           <a:xfrm>
-            <a:off x="457200" y="6356350"/>
-            <a:ext cx="2133600" cy="365125"/>
+            <a:off x="457200" y="6172201"/>
+            <a:ext cx="3429000" cy="304800"/>
           </a:xfrm>
           <a:prstGeom prst="rect">
             <a:avLst/>
           </a:prstGeom>
         </p:spPr>
         <p:txBody>
-          <a:bodyPr vert="horz" lIns="91440" tIns="45720" rIns="91440" bIns="45720" rtlCol="0" anchor="ctr"/>
+          <a:bodyPr vert="horz" lIns="91440" tIns="45720" rIns="91440" bIns="0" rtlCol="0" anchor="b"/>
           <a:lstStyle>
             <a:lvl1pPr algn="l">
-              <a:defRPr sz="1200">
+              <a:defRPr sz="1000">
                 <a:solidFill>
-                  <a:schemeClr val="tx1">
-                    <a:tint val="75000"/>
-                  </a:schemeClr>
+                  <a:schemeClr val="tx1"/>
                 </a:solidFill>
               </a:defRPr>
             </a:lvl1pPr>
@@ -2739,7 +2928,7 @@
       </p:sp>
       <p:sp>
         <p:nvSpPr>
-          <p:cNvPr id="5" name="바닥글 개체 틀 4"/>
+          <p:cNvPr id="5" name="Footer Placeholder 4"/>
           <p:cNvSpPr>
             <a:spLocks noGrp="1"/>
           </p:cNvSpPr>
@@ -2749,22 +2938,20 @@
         </p:nvSpPr>
         <p:spPr>
           <a:xfrm>
-            <a:off x="3124200" y="6356350"/>
-            <a:ext cx="2895600" cy="365125"/>
+            <a:off x="457200" y="6492875"/>
+            <a:ext cx="3429000" cy="283845"/>
           </a:xfrm>
           <a:prstGeom prst="rect">
             <a:avLst/>
           </a:prstGeom>
         </p:spPr>
         <p:txBody>
-          <a:bodyPr vert="horz" lIns="91440" tIns="45720" rIns="91440" bIns="45720" rtlCol="0" anchor="ctr"/>
+          <a:bodyPr vert="horz" lIns="91440" tIns="45720" rIns="91440" bIns="45720" rtlCol="0" anchor="t"/>
           <a:lstStyle>
-            <a:lvl1pPr algn="ctr">
-              <a:defRPr sz="1200">
+            <a:lvl1pPr algn="l">
+              <a:defRPr sz="1000">
                 <a:solidFill>
-                  <a:schemeClr val="tx1">
-                    <a:tint val="75000"/>
-                  </a:schemeClr>
+                  <a:schemeClr val="tx1"/>
                 </a:solidFill>
               </a:defRPr>
             </a:lvl1pPr>
@@ -2776,7 +2963,7 @@
       </p:sp>
       <p:sp>
         <p:nvSpPr>
-          <p:cNvPr id="6" name="슬라이드 번호 개체 틀 5"/>
+          <p:cNvPr id="6" name="Slide Number Placeholder 5"/>
           <p:cNvSpPr>
             <a:spLocks noGrp="1"/>
           </p:cNvSpPr>
@@ -2785,9 +2972,9 @@
           </p:nvPr>
         </p:nvSpPr>
         <p:spPr>
-          <a:xfrm>
-            <a:off x="6553200" y="6356350"/>
-            <a:ext cx="2133600" cy="365125"/>
+          <a:xfrm rot="16200000">
+            <a:off x="8227377" y="5885497"/>
+            <a:ext cx="1315721" cy="365125"/>
           </a:xfrm>
           <a:prstGeom prst="rect">
             <a:avLst/>
@@ -2796,12 +2983,10 @@
         <p:txBody>
           <a:bodyPr vert="horz" lIns="91440" tIns="45720" rIns="91440" bIns="45720" rtlCol="0" anchor="ctr"/>
           <a:lstStyle>
-            <a:lvl1pPr algn="r">
-              <a:defRPr sz="1200">
+            <a:lvl1pPr algn="l">
+              <a:defRPr sz="2400" b="1">
                 <a:solidFill>
-                  <a:schemeClr val="tx1">
-                    <a:tint val="75000"/>
-                  </a:schemeClr>
+                  <a:schemeClr val="tx2"/>
                 </a:solidFill>
               </a:defRPr>
             </a:lvl1pPr>
@@ -2815,37 +3000,124 @@
           </a:p>
         </p:txBody>
       </p:sp>
+      <p:sp>
+        <p:nvSpPr>
+          <p:cNvPr id="7" name="Rectangle 6"/>
+          <p:cNvSpPr/>
+          <p:nvPr/>
+        </p:nvSpPr>
+        <p:spPr>
+          <a:xfrm>
+            <a:off x="9001124" y="0"/>
+            <a:ext cx="142876" cy="1371600"/>
+          </a:xfrm>
+          <a:prstGeom prst="rect">
+            <a:avLst/>
+          </a:prstGeom>
+          <a:solidFill>
+            <a:schemeClr val="tx2"/>
+          </a:solidFill>
+          <a:ln>
+            <a:noFill/>
+          </a:ln>
+        </p:spPr>
+        <p:style>
+          <a:lnRef idx="2">
+            <a:schemeClr val="accent1">
+              <a:shade val="50000"/>
+            </a:schemeClr>
+          </a:lnRef>
+          <a:fillRef idx="1">
+            <a:schemeClr val="accent1"/>
+          </a:fillRef>
+          <a:effectRef idx="0">
+            <a:schemeClr val="accent1"/>
+          </a:effectRef>
+          <a:fontRef idx="minor">
+            <a:schemeClr val="lt1"/>
+          </a:fontRef>
+        </p:style>
+        <p:txBody>
+          <a:bodyPr rtlCol="0" anchor="ctr"/>
+          <a:lstStyle/>
+          <a:p>
+            <a:pPr algn="ctr"/>
+            <a:endParaRPr lang="en-US"/>
+          </a:p>
+        </p:txBody>
+      </p:sp>
+      <p:sp>
+        <p:nvSpPr>
+          <p:cNvPr id="8" name="Rectangle 7"/>
+          <p:cNvSpPr/>
+          <p:nvPr/>
+        </p:nvSpPr>
+        <p:spPr>
+          <a:xfrm>
+            <a:off x="9001124" y="1371600"/>
+            <a:ext cx="142876" cy="5486400"/>
+          </a:xfrm>
+          <a:prstGeom prst="rect">
+            <a:avLst/>
+          </a:prstGeom>
+          <a:solidFill>
+            <a:schemeClr val="tx1"/>
+          </a:solidFill>
+          <a:ln>
+            <a:noFill/>
+          </a:ln>
+        </p:spPr>
+        <p:style>
+          <a:lnRef idx="2">
+            <a:schemeClr val="accent1">
+              <a:shade val="50000"/>
+            </a:schemeClr>
+          </a:lnRef>
+          <a:fillRef idx="1">
+            <a:schemeClr val="accent1"/>
+          </a:fillRef>
+          <a:effectRef idx="0">
+            <a:schemeClr val="accent1"/>
+          </a:effectRef>
+          <a:fontRef idx="minor">
+            <a:schemeClr val="lt1"/>
+          </a:fontRef>
+        </p:style>
+        <p:txBody>
+          <a:bodyPr rtlCol="0" anchor="ctr"/>
+          <a:lstStyle/>
+          <a:p>
+            <a:pPr algn="ctr"/>
+            <a:endParaRPr lang="en-US"/>
+          </a:p>
+        </p:txBody>
+      </p:sp>
     </p:spTree>
-    <p:extLst>
-      <p:ext uri="{BB962C8B-B14F-4D97-AF65-F5344CB8AC3E}">
-        <p14:creationId xmlns:p14="http://schemas.microsoft.com/office/powerpoint/2010/main" val="3150093247"/>
-      </p:ext>
-    </p:extLst>
   </p:cSld>
   <p:clrMap bg1="lt1" tx1="dk1" bg2="lt2" tx2="dk2" accent1="accent1" accent2="accent2" accent3="accent3" accent4="accent4" accent5="accent5" accent6="accent6" hlink="hlink" folHlink="folHlink"/>
   <p:sldLayoutIdLst>
-    <p:sldLayoutId id="2147483757" r:id="rId1"/>
-    <p:sldLayoutId id="2147483758" r:id="rId2"/>
-    <p:sldLayoutId id="2147483759" r:id="rId3"/>
-    <p:sldLayoutId id="2147483760" r:id="rId4"/>
-    <p:sldLayoutId id="2147483761" r:id="rId5"/>
-    <p:sldLayoutId id="2147483762" r:id="rId6"/>
-    <p:sldLayoutId id="2147483763" r:id="rId7"/>
-    <p:sldLayoutId id="2147483764" r:id="rId8"/>
-    <p:sldLayoutId id="2147483765" r:id="rId9"/>
-    <p:sldLayoutId id="2147483766" r:id="rId10"/>
-    <p:sldLayoutId id="2147483767" r:id="rId11"/>
+    <p:sldLayoutId id="2147483781" r:id="rId1"/>
+    <p:sldLayoutId id="2147483782" r:id="rId2"/>
+    <p:sldLayoutId id="2147483783" r:id="rId3"/>
+    <p:sldLayoutId id="2147483784" r:id="rId4"/>
+    <p:sldLayoutId id="2147483785" r:id="rId5"/>
+    <p:sldLayoutId id="2147483786" r:id="rId6"/>
+    <p:sldLayoutId id="2147483787" r:id="rId7"/>
+    <p:sldLayoutId id="2147483788" r:id="rId8"/>
+    <p:sldLayoutId id="2147483789" r:id="rId9"/>
+    <p:sldLayoutId id="2147483790" r:id="rId10"/>
+    <p:sldLayoutId id="2147483791" r:id="rId11"/>
   </p:sldLayoutIdLst>
   <p:txStyles>
     <p:titleStyle>
-      <a:lvl1pPr algn="ctr" defTabSz="914400" rtl="0" eaLnBrk="1" latinLnBrk="1" hangingPunct="1">
+      <a:lvl1pPr algn="l" defTabSz="914400" rtl="0" eaLnBrk="1" latinLnBrk="1" hangingPunct="1">
         <a:spcBef>
           <a:spcPct val="0"/>
         </a:spcBef>
         <a:buNone/>
-        <a:defRPr sz="4400" kern="1200">
+        <a:defRPr sz="3600" kern="1200" cap="all" spc="-60" baseline="0">
           <a:solidFill>
-            <a:schemeClr val="tx1"/>
+            <a:schemeClr val="tx2"/>
           </a:solidFill>
           <a:latin typeface="+mj-lt"/>
           <a:ea typeface="+mj-ea"/>
@@ -2854,13 +3126,16 @@
       </a:lvl1pPr>
     </p:titleStyle>
     <p:bodyStyle>
-      <a:lvl1pPr marL="342900" indent="-342900" algn="l" defTabSz="914400" rtl="0" eaLnBrk="1" latinLnBrk="1" hangingPunct="1">
+      <a:lvl1pPr marL="0" indent="0" algn="l" defTabSz="914400" rtl="0" eaLnBrk="1" latinLnBrk="1" hangingPunct="1">
         <a:spcBef>
           <a:spcPct val="20000"/>
         </a:spcBef>
-        <a:buFont typeface="Arial" panose="020B0604020202020204" pitchFamily="34" charset="0"/>
-        <a:buChar char="•"/>
-        <a:defRPr sz="3200" kern="1200">
+        <a:spcAft>
+          <a:spcPts val="600"/>
+        </a:spcAft>
+        <a:buFont typeface="Arial" pitchFamily="34" charset="0"/>
+        <a:buNone/>
+        <a:defRPr sz="2000" b="1" kern="1200">
           <a:solidFill>
             <a:schemeClr val="tx1"/>
           </a:solidFill>
@@ -2869,13 +3144,16 @@
           <a:cs typeface="+mn-cs"/>
         </a:defRPr>
       </a:lvl1pPr>
-      <a:lvl2pPr marL="742950" indent="-285750" algn="l" defTabSz="914400" rtl="0" eaLnBrk="1" latinLnBrk="1" hangingPunct="1">
+      <a:lvl2pPr marL="457200" indent="-182880" algn="l" defTabSz="914400" rtl="0" eaLnBrk="1" latinLnBrk="1" hangingPunct="1">
         <a:spcBef>
           <a:spcPct val="20000"/>
         </a:spcBef>
-        <a:buFont typeface="Arial" panose="020B0604020202020204" pitchFamily="34" charset="0"/>
-        <a:buChar char="–"/>
-        <a:defRPr sz="2800" kern="1200">
+        <a:buClr>
+          <a:schemeClr val="tx2"/>
+        </a:buClr>
+        <a:buFont typeface="Arial" pitchFamily="34" charset="0"/>
+        <a:buChar char="•"/>
+        <a:defRPr sz="2000" kern="1200">
           <a:solidFill>
             <a:schemeClr val="tx1"/>
           </a:solidFill>
@@ -2888,9 +3166,12 @@
         <a:spcBef>
           <a:spcPct val="20000"/>
         </a:spcBef>
-        <a:buFont typeface="Arial" panose="020B0604020202020204" pitchFamily="34" charset="0"/>
+        <a:buClr>
+          <a:schemeClr val="tx2"/>
+        </a:buClr>
+        <a:buFont typeface="Arial" pitchFamily="34" charset="0"/>
         <a:buChar char="•"/>
-        <a:defRPr sz="2400" kern="1200">
+        <a:defRPr sz="1800" kern="1200">
           <a:solidFill>
             <a:schemeClr val="tx1"/>
           </a:solidFill>
@@ -2903,9 +3184,12 @@
         <a:spcBef>
           <a:spcPct val="20000"/>
         </a:spcBef>
-        <a:buFont typeface="Arial" panose="020B0604020202020204" pitchFamily="34" charset="0"/>
-        <a:buChar char="–"/>
-        <a:defRPr sz="2000" kern="1200">
+        <a:buClr>
+          <a:schemeClr val="tx2"/>
+        </a:buClr>
+        <a:buFont typeface="Arial" pitchFamily="34" charset="0"/>
+        <a:buChar char="•"/>
+        <a:defRPr sz="1800" kern="1200">
           <a:solidFill>
             <a:schemeClr val="tx1"/>
           </a:solidFill>
@@ -2918,9 +3202,12 @@
         <a:spcBef>
           <a:spcPct val="20000"/>
         </a:spcBef>
-        <a:buFont typeface="Arial" panose="020B0604020202020204" pitchFamily="34" charset="0"/>
-        <a:buChar char="»"/>
-        <a:defRPr sz="2000" kern="1200">
+        <a:buClr>
+          <a:schemeClr val="tx2"/>
+        </a:buClr>
+        <a:buFont typeface="Arial" pitchFamily="34" charset="0"/>
+        <a:buChar char="•"/>
+        <a:defRPr sz="1800" kern="1200" baseline="0">
           <a:solidFill>
             <a:schemeClr val="tx1"/>
           </a:solidFill>
@@ -2933,9 +3220,12 @@
         <a:spcBef>
           <a:spcPct val="20000"/>
         </a:spcBef>
-        <a:buFont typeface="Arial" panose="020B0604020202020204" pitchFamily="34" charset="0"/>
+        <a:buClr>
+          <a:schemeClr val="tx2"/>
+        </a:buClr>
+        <a:buFont typeface="Arial" pitchFamily="34" charset="0"/>
         <a:buChar char="•"/>
-        <a:defRPr sz="2000" kern="1200">
+        <a:defRPr sz="1600" kern="1200">
           <a:solidFill>
             <a:schemeClr val="tx1"/>
           </a:solidFill>
@@ -2948,9 +3238,12 @@
         <a:spcBef>
           <a:spcPct val="20000"/>
         </a:spcBef>
-        <a:buFont typeface="Arial" panose="020B0604020202020204" pitchFamily="34" charset="0"/>
+        <a:buClr>
+          <a:schemeClr val="tx2"/>
+        </a:buClr>
+        <a:buFont typeface="Arial" pitchFamily="34" charset="0"/>
         <a:buChar char="•"/>
-        <a:defRPr sz="2000" kern="1200">
+        <a:defRPr sz="1600" kern="1200">
           <a:solidFill>
             <a:schemeClr val="tx1"/>
           </a:solidFill>
@@ -2963,9 +3256,12 @@
         <a:spcBef>
           <a:spcPct val="20000"/>
         </a:spcBef>
-        <a:buFont typeface="Arial" panose="020B0604020202020204" pitchFamily="34" charset="0"/>
+        <a:buClr>
+          <a:schemeClr val="tx2"/>
+        </a:buClr>
+        <a:buFont typeface="Arial" pitchFamily="34" charset="0"/>
         <a:buChar char="•"/>
-        <a:defRPr sz="2000" kern="1200">
+        <a:defRPr sz="1600" kern="1200">
           <a:solidFill>
             <a:schemeClr val="tx1"/>
           </a:solidFill>
@@ -2978,9 +3274,12 @@
         <a:spcBef>
           <a:spcPct val="20000"/>
         </a:spcBef>
-        <a:buFont typeface="Arial" panose="020B0604020202020204" pitchFamily="34" charset="0"/>
+        <a:buClr>
+          <a:schemeClr val="tx2"/>
+        </a:buClr>
+        <a:buFont typeface="Arial" pitchFamily="34" charset="0"/>
         <a:buChar char="•"/>
-        <a:defRPr sz="2000" kern="1200">
+        <a:defRPr sz="1600" kern="1200">
           <a:solidFill>
             <a:schemeClr val="tx1"/>
           </a:solidFill>
@@ -2992,7 +3291,7 @@
     </p:bodyStyle>
     <p:otherStyle>
       <a:defPPr>
-        <a:defRPr lang="ko-KR"/>
+        <a:defRPr lang="en-US"/>
       </a:defPPr>
       <a:lvl1pPr marL="0" algn="l" defTabSz="914400" rtl="0" eaLnBrk="1" latinLnBrk="1" hangingPunct="1">
         <a:defRPr sz="1800" kern="1200">
@@ -3506,7 +3805,7 @@
         </p:blipFill>
         <p:spPr bwMode="auto">
           <a:xfrm>
-            <a:off x="1675995" y="2581890"/>
+            <a:off x="1371195" y="2658090"/>
             <a:ext cx="5792009" cy="2562583"/>
           </a:xfrm>
           <a:prstGeom prst="rect">
@@ -4059,7 +4358,7 @@
         </p:blipFill>
         <p:spPr bwMode="auto">
           <a:xfrm>
-            <a:off x="2761997" y="2772416"/>
+            <a:off x="2457197" y="2848616"/>
             <a:ext cx="3620005" cy="2181530"/>
           </a:xfrm>
           <a:prstGeom prst="rect">
@@ -4508,58 +4807,58 @@
 </file>
 
 <file path=ppt/theme/theme1.xml><?xml version="1.0" encoding="utf-8"?>
-<a:theme xmlns:a="http://schemas.openxmlformats.org/drawingml/2006/main" name="Office 테마">
+<a:theme xmlns:a="http://schemas.openxmlformats.org/drawingml/2006/main" name="필수">
   <a:themeElements>
-    <a:clrScheme name="Office">
+    <a:clrScheme name="필수">
       <a:dk1>
-        <a:sysClr val="windowText" lastClr="000000"/>
+        <a:srgbClr val="000000"/>
       </a:dk1>
       <a:lt1>
-        <a:sysClr val="window" lastClr="FFFFFF"/>
+        <a:srgbClr val="FFFFFF"/>
       </a:lt1>
       <a:dk2>
-        <a:srgbClr val="1F497D"/>
+        <a:srgbClr val="D1282E"/>
       </a:dk2>
       <a:lt2>
-        <a:srgbClr val="EEECE1"/>
+        <a:srgbClr val="C8C8B1"/>
       </a:lt2>
       <a:accent1>
-        <a:srgbClr val="4F81BD"/>
+        <a:srgbClr val="7A7A7A"/>
       </a:accent1>
       <a:accent2>
-        <a:srgbClr val="C0504D"/>
+        <a:srgbClr val="F5C201"/>
       </a:accent2>
       <a:accent3>
-        <a:srgbClr val="9BBB59"/>
+        <a:srgbClr val="526DB0"/>
       </a:accent3>
       <a:accent4>
-        <a:srgbClr val="8064A2"/>
+        <a:srgbClr val="989AAC"/>
       </a:accent4>
       <a:accent5>
-        <a:srgbClr val="4BACC6"/>
+        <a:srgbClr val="DC5924"/>
       </a:accent5>
       <a:accent6>
-        <a:srgbClr val="F79646"/>
+        <a:srgbClr val="B4B392"/>
       </a:accent6>
       <a:hlink>
-        <a:srgbClr val="0000FF"/>
+        <a:srgbClr val="CC9900"/>
       </a:hlink>
       <a:folHlink>
-        <a:srgbClr val="800080"/>
+        <a:srgbClr val="969696"/>
       </a:folHlink>
     </a:clrScheme>
-    <a:fontScheme name="Office">
+    <a:fontScheme name="필수">
       <a:majorFont>
-        <a:latin typeface="맑은 고딕"/>
+        <a:latin typeface="Arial Black"/>
         <a:ea typeface=""/>
         <a:cs typeface=""/>
         <a:font script="Jpan" typeface="ＭＳ Ｐゴシック"/>
-        <a:font script="Hang" typeface="맑은 고딕"/>
-        <a:font script="Hans" typeface="宋体"/>
-        <a:font script="Hant" typeface="新細明體"/>
-        <a:font script="Arab" typeface="Times New Roman"/>
-        <a:font script="Hebr" typeface="Times New Roman"/>
-        <a:font script="Thai" typeface="Angsana New"/>
+        <a:font script="Hang" typeface="HY견고딕"/>
+        <a:font script="Hans" typeface="微软雅黑"/>
+        <a:font script="Hant" typeface="微軟正黑體"/>
+        <a:font script="Arab" typeface="Tahoma"/>
+        <a:font script="Hebr" typeface="Tahoma"/>
+        <a:font script="Thai" typeface="Tahoma"/>
         <a:font script="Ethi" typeface="Nyala"/>
         <a:font script="Beng" typeface="Vrinda"/>
         <a:font script="Gujr" typeface="Shruti"/>
@@ -4585,13 +4884,13 @@
         <a:font script="Geor" typeface="Sylfaen"/>
       </a:majorFont>
       <a:minorFont>
-        <a:latin typeface="맑은 고딕"/>
+        <a:latin typeface="Arial"/>
         <a:ea typeface=""/>
         <a:cs typeface=""/>
         <a:font script="Jpan" typeface="ＭＳ Ｐゴシック"/>
-        <a:font script="Hang" typeface="맑은 고딕"/>
-        <a:font script="Hans" typeface="宋体"/>
-        <a:font script="Hant" typeface="新細明體"/>
+        <a:font script="Hang" typeface="돋움"/>
+        <a:font script="Hans" typeface="黑体"/>
+        <a:font script="Hant" typeface="微軟正黑體"/>
         <a:font script="Arab" typeface="Arial"/>
         <a:font script="Hebr" typeface="Arial"/>
         <a:font script="Thai" typeface="Cordia New"/>
@@ -4620,7 +4919,7 @@
         <a:font script="Geor" typeface="Sylfaen"/>
       </a:minorFont>
     </a:fontScheme>
-    <a:fmtScheme name="Office">
+    <a:fmtScheme name="필수">
       <a:fillStyleLst>
         <a:solidFill>
           <a:schemeClr val="phClr"/>
@@ -4629,51 +4928,33 @@
           <a:gsLst>
             <a:gs pos="0">
               <a:schemeClr val="phClr">
-                <a:tint val="50000"/>
-                <a:satMod val="300000"/>
+                <a:tint val="60000"/>
+                <a:satMod val="250000"/>
               </a:schemeClr>
             </a:gs>
             <a:gs pos="35000">
               <a:schemeClr val="phClr">
-                <a:tint val="37000"/>
-                <a:satMod val="300000"/>
+                <a:tint val="47000"/>
+                <a:satMod val="275000"/>
               </a:schemeClr>
             </a:gs>
             <a:gs pos="100000">
               <a:schemeClr val="phClr">
-                <a:tint val="15000"/>
-                <a:satMod val="350000"/>
+                <a:tint val="25000"/>
+                <a:satMod val="300000"/>
               </a:schemeClr>
             </a:gs>
           </a:gsLst>
           <a:lin ang="16200000" scaled="1"/>
         </a:gradFill>
-        <a:gradFill rotWithShape="1">
-          <a:gsLst>
-            <a:gs pos="0">
-              <a:schemeClr val="phClr">
-                <a:shade val="51000"/>
-                <a:satMod val="130000"/>
-              </a:schemeClr>
-            </a:gs>
-            <a:gs pos="80000">
-              <a:schemeClr val="phClr">
-                <a:shade val="93000"/>
-                <a:satMod val="130000"/>
-              </a:schemeClr>
-            </a:gs>
-            <a:gs pos="100000">
-              <a:schemeClr val="phClr">
-                <a:shade val="94000"/>
-                <a:satMod val="135000"/>
-              </a:schemeClr>
-            </a:gs>
-          </a:gsLst>
-          <a:lin ang="16200000" scaled="0"/>
-        </a:gradFill>
+        <a:solidFill>
+          <a:schemeClr val="phClr">
+            <a:satMod val="110000"/>
+          </a:schemeClr>
+        </a:solidFill>
       </a:fillStyleLst>
       <a:lnStyleLst>
-        <a:ln w="9525" cap="flat" cmpd="sng" algn="ctr">
+        <a:ln w="12700" cap="flat" cmpd="sng" algn="ctr">
           <a:solidFill>
             <a:schemeClr val="phClr">
               <a:shade val="95000"/>
@@ -4682,13 +4963,13 @@
           </a:solidFill>
           <a:prstDash val="solid"/>
         </a:ln>
-        <a:ln w="25400" cap="flat" cmpd="sng" algn="ctr">
+        <a:ln w="28575" cap="flat" cmpd="sng" algn="ctr">
           <a:solidFill>
             <a:schemeClr val="phClr"/>
           </a:solidFill>
           <a:prstDash val="solid"/>
         </a:ln>
-        <a:ln w="38100" cap="flat" cmpd="sng" algn="ctr">
+        <a:ln w="41275" cap="flat" cmpd="sng" algn="ctr">
           <a:solidFill>
             <a:schemeClr val="phClr"/>
           </a:solidFill>
@@ -4697,28 +4978,22 @@
       </a:lnStyleLst>
       <a:effectStyleLst>
         <a:effectStyle>
+          <a:effectLst/>
+        </a:effectStyle>
+        <a:effectStyle>
           <a:effectLst>
-            <a:outerShdw blurRad="40000" dist="20000" dir="5400000" rotWithShape="0">
+            <a:outerShdw blurRad="39999" dist="23000" algn="bl" rotWithShape="0">
               <a:srgbClr val="000000">
-                <a:alpha val="38000"/>
+                <a:alpha val="40000"/>
               </a:srgbClr>
             </a:outerShdw>
           </a:effectLst>
         </a:effectStyle>
         <a:effectStyle>
           <a:effectLst>
-            <a:outerShdw blurRad="40000" dist="23000" dir="5400000" rotWithShape="0">
+            <a:outerShdw blurRad="38100" dist="19050" algn="bl" rotWithShape="0">
               <a:srgbClr val="000000">
-                <a:alpha val="35000"/>
-              </a:srgbClr>
-            </a:outerShdw>
-          </a:effectLst>
-        </a:effectStyle>
-        <a:effectStyle>
-          <a:effectLst>
-            <a:outerShdw blurRad="40000" dist="23000" dir="5400000" rotWithShape="0">
-              <a:srgbClr val="000000">
-                <a:alpha val="35000"/>
+                <a:alpha val="60000"/>
               </a:srgbClr>
             </a:outerShdw>
           </a:effectLst>
@@ -4726,12 +5001,10 @@
             <a:camera prst="orthographicFront">
               <a:rot lat="0" lon="0" rev="0"/>
             </a:camera>
-            <a:lightRig rig="threePt" dir="t">
-              <a:rot lat="0" lon="0" rev="1200000"/>
-            </a:lightRig>
+            <a:lightRig rig="balanced" dir="l"/>
           </a:scene3d>
-          <a:sp3d>
-            <a:bevelT w="63500" h="25400"/>
+          <a:sp3d prstMaterial="plastic">
+            <a:bevelT w="38100" h="31750"/>
           </a:sp3d>
         </a:effectStyle>
       </a:effectStyleLst>
@@ -4739,49 +5012,43 @@
         <a:solidFill>
           <a:schemeClr val="phClr"/>
         </a:solidFill>
+        <a:blipFill rotWithShape="1">
+          <a:blip xmlns:r="http://schemas.openxmlformats.org/officeDocument/2006/relationships" r:embed="rId1">
+            <a:duotone>
+              <a:schemeClr val="phClr">
+                <a:tint val="96000"/>
+              </a:schemeClr>
+              <a:schemeClr val="phClr">
+                <a:shade val="94000"/>
+              </a:schemeClr>
+            </a:duotone>
+          </a:blip>
+          <a:tile tx="0" ty="0" sx="100000" sy="100000" flip="none" algn="tl"/>
+        </a:blipFill>
         <a:gradFill rotWithShape="1">
           <a:gsLst>
             <a:gs pos="0">
               <a:schemeClr val="phClr">
-                <a:tint val="40000"/>
-                <a:satMod val="350000"/>
+                <a:tint val="84000"/>
+                <a:satMod val="110000"/>
               </a:schemeClr>
             </a:gs>
-            <a:gs pos="40000">
+            <a:gs pos="44000">
               <a:schemeClr val="phClr">
-                <a:tint val="45000"/>
-                <a:shade val="99000"/>
-                <a:satMod val="350000"/>
+                <a:tint val="93000"/>
+                <a:satMod val="115000"/>
               </a:schemeClr>
             </a:gs>
             <a:gs pos="100000">
               <a:schemeClr val="phClr">
-                <a:shade val="20000"/>
-                <a:satMod val="255000"/>
+                <a:tint val="100000"/>
+                <a:shade val="59000"/>
+                <a:satMod val="120000"/>
               </a:schemeClr>
             </a:gs>
           </a:gsLst>
           <a:path path="circle">
-            <a:fillToRect l="50000" t="-80000" r="50000" b="180000"/>
-          </a:path>
-        </a:gradFill>
-        <a:gradFill rotWithShape="1">
-          <a:gsLst>
-            <a:gs pos="0">
-              <a:schemeClr val="phClr">
-                <a:tint val="80000"/>
-                <a:satMod val="300000"/>
-              </a:schemeClr>
-            </a:gs>
-            <a:gs pos="100000">
-              <a:schemeClr val="phClr">
-                <a:shade val="30000"/>
-                <a:satMod val="200000"/>
-              </a:schemeClr>
-            </a:gs>
-          </a:gsLst>
-          <a:path path="circle">
-            <a:fillToRect l="50000" t="50000" r="50000" b="50000"/>
+            <a:fillToRect l="40000" t="60000" r="60000" b="40000"/>
           </a:path>
         </a:gradFill>
       </a:bgFillStyleLst>
